--- a/developer-guide/v0.9/Resources/siminov-descriptors.pptx
+++ b/developer-guide/v0.9/Resources/siminov-descriptors.pptx
@@ -288,7 +288,8 @@
           <a:p>
             <a:fld id="{1498522A-3E9C-4D7B-8BEF-3864CDDC6B3A}" type="datetimeFigureOut">
               <a:rPr lang="en-US" smtClean="0"/>
-              <a:t>3/8/2013</a:t>
+              <a:pPr/>
+              <a:t>5/29/2013</a:t>
             </a:fld>
             <a:endParaRPr lang="en-US"/>
           </a:p>
@@ -330,6 +331,7 @@
           <a:p>
             <a:fld id="{2B607D81-953A-4D93-A4F0-2A6110829A04}" type="slidenum">
               <a:rPr lang="en-US" smtClean="0"/>
+              <a:pPr/>
               <a:t>‹#›</a:t>
             </a:fld>
             <a:endParaRPr lang="en-US"/>
@@ -339,7 +341,7 @@
     </p:spTree>
     <p:extLst>
       <p:ext uri="{BB962C8B-B14F-4D97-AF65-F5344CB8AC3E}">
-        <p14:creationId xmlns:p14="http://schemas.microsoft.com/office/powerpoint/2010/main" val="4070503343"/>
+        <p14:creationId xmlns:p14="http://schemas.microsoft.com/office/powerpoint/2010/main" xmlns="" val="4070503343"/>
       </p:ext>
     </p:extLst>
   </p:cSld>
@@ -458,7 +460,8 @@
           <a:p>
             <a:fld id="{1498522A-3E9C-4D7B-8BEF-3864CDDC6B3A}" type="datetimeFigureOut">
               <a:rPr lang="en-US" smtClean="0"/>
-              <a:t>3/8/2013</a:t>
+              <a:pPr/>
+              <a:t>5/29/2013</a:t>
             </a:fld>
             <a:endParaRPr lang="en-US"/>
           </a:p>
@@ -500,6 +503,7 @@
           <a:p>
             <a:fld id="{2B607D81-953A-4D93-A4F0-2A6110829A04}" type="slidenum">
               <a:rPr lang="en-US" smtClean="0"/>
+              <a:pPr/>
               <a:t>‹#›</a:t>
             </a:fld>
             <a:endParaRPr lang="en-US"/>
@@ -509,7 +513,7 @@
     </p:spTree>
     <p:extLst>
       <p:ext uri="{BB962C8B-B14F-4D97-AF65-F5344CB8AC3E}">
-        <p14:creationId xmlns:p14="http://schemas.microsoft.com/office/powerpoint/2010/main" val="3392852371"/>
+        <p14:creationId xmlns:p14="http://schemas.microsoft.com/office/powerpoint/2010/main" xmlns="" val="3392852371"/>
       </p:ext>
     </p:extLst>
   </p:cSld>
@@ -638,7 +642,8 @@
           <a:p>
             <a:fld id="{1498522A-3E9C-4D7B-8BEF-3864CDDC6B3A}" type="datetimeFigureOut">
               <a:rPr lang="en-US" smtClean="0"/>
-              <a:t>3/8/2013</a:t>
+              <a:pPr/>
+              <a:t>5/29/2013</a:t>
             </a:fld>
             <a:endParaRPr lang="en-US"/>
           </a:p>
@@ -680,6 +685,7 @@
           <a:p>
             <a:fld id="{2B607D81-953A-4D93-A4F0-2A6110829A04}" type="slidenum">
               <a:rPr lang="en-US" smtClean="0"/>
+              <a:pPr/>
               <a:t>‹#›</a:t>
             </a:fld>
             <a:endParaRPr lang="en-US"/>
@@ -689,7 +695,7 @@
     </p:spTree>
     <p:extLst>
       <p:ext uri="{BB962C8B-B14F-4D97-AF65-F5344CB8AC3E}">
-        <p14:creationId xmlns:p14="http://schemas.microsoft.com/office/powerpoint/2010/main" val="371304562"/>
+        <p14:creationId xmlns:p14="http://schemas.microsoft.com/office/powerpoint/2010/main" xmlns="" val="371304562"/>
       </p:ext>
     </p:extLst>
   </p:cSld>
@@ -808,7 +814,8 @@
           <a:p>
             <a:fld id="{1498522A-3E9C-4D7B-8BEF-3864CDDC6B3A}" type="datetimeFigureOut">
               <a:rPr lang="en-US" smtClean="0"/>
-              <a:t>3/8/2013</a:t>
+              <a:pPr/>
+              <a:t>5/29/2013</a:t>
             </a:fld>
             <a:endParaRPr lang="en-US"/>
           </a:p>
@@ -850,6 +857,7 @@
           <a:p>
             <a:fld id="{2B607D81-953A-4D93-A4F0-2A6110829A04}" type="slidenum">
               <a:rPr lang="en-US" smtClean="0"/>
+              <a:pPr/>
               <a:t>‹#›</a:t>
             </a:fld>
             <a:endParaRPr lang="en-US"/>
@@ -859,7 +867,7 @@
     </p:spTree>
     <p:extLst>
       <p:ext uri="{BB962C8B-B14F-4D97-AF65-F5344CB8AC3E}">
-        <p14:creationId xmlns:p14="http://schemas.microsoft.com/office/powerpoint/2010/main" val="716406312"/>
+        <p14:creationId xmlns:p14="http://schemas.microsoft.com/office/powerpoint/2010/main" xmlns="" val="716406312"/>
       </p:ext>
     </p:extLst>
   </p:cSld>
@@ -1054,7 +1062,8 @@
           <a:p>
             <a:fld id="{1498522A-3E9C-4D7B-8BEF-3864CDDC6B3A}" type="datetimeFigureOut">
               <a:rPr lang="en-US" smtClean="0"/>
-              <a:t>3/8/2013</a:t>
+              <a:pPr/>
+              <a:t>5/29/2013</a:t>
             </a:fld>
             <a:endParaRPr lang="en-US"/>
           </a:p>
@@ -1096,6 +1105,7 @@
           <a:p>
             <a:fld id="{2B607D81-953A-4D93-A4F0-2A6110829A04}" type="slidenum">
               <a:rPr lang="en-US" smtClean="0"/>
+              <a:pPr/>
               <a:t>‹#›</a:t>
             </a:fld>
             <a:endParaRPr lang="en-US"/>
@@ -1105,7 +1115,7 @@
     </p:spTree>
     <p:extLst>
       <p:ext uri="{BB962C8B-B14F-4D97-AF65-F5344CB8AC3E}">
-        <p14:creationId xmlns:p14="http://schemas.microsoft.com/office/powerpoint/2010/main" val="3498219523"/>
+        <p14:creationId xmlns:p14="http://schemas.microsoft.com/office/powerpoint/2010/main" xmlns="" val="3498219523"/>
       </p:ext>
     </p:extLst>
   </p:cSld>
@@ -1342,7 +1352,8 @@
           <a:p>
             <a:fld id="{1498522A-3E9C-4D7B-8BEF-3864CDDC6B3A}" type="datetimeFigureOut">
               <a:rPr lang="en-US" smtClean="0"/>
-              <a:t>3/8/2013</a:t>
+              <a:pPr/>
+              <a:t>5/29/2013</a:t>
             </a:fld>
             <a:endParaRPr lang="en-US"/>
           </a:p>
@@ -1384,6 +1395,7 @@
           <a:p>
             <a:fld id="{2B607D81-953A-4D93-A4F0-2A6110829A04}" type="slidenum">
               <a:rPr lang="en-US" smtClean="0"/>
+              <a:pPr/>
               <a:t>‹#›</a:t>
             </a:fld>
             <a:endParaRPr lang="en-US"/>
@@ -1393,7 +1405,7 @@
     </p:spTree>
     <p:extLst>
       <p:ext uri="{BB962C8B-B14F-4D97-AF65-F5344CB8AC3E}">
-        <p14:creationId xmlns:p14="http://schemas.microsoft.com/office/powerpoint/2010/main" val="2825702491"/>
+        <p14:creationId xmlns:p14="http://schemas.microsoft.com/office/powerpoint/2010/main" xmlns="" val="2825702491"/>
       </p:ext>
     </p:extLst>
   </p:cSld>
@@ -1764,7 +1776,8 @@
           <a:p>
             <a:fld id="{1498522A-3E9C-4D7B-8BEF-3864CDDC6B3A}" type="datetimeFigureOut">
               <a:rPr lang="en-US" smtClean="0"/>
-              <a:t>3/8/2013</a:t>
+              <a:pPr/>
+              <a:t>5/29/2013</a:t>
             </a:fld>
             <a:endParaRPr lang="en-US"/>
           </a:p>
@@ -1806,6 +1819,7 @@
           <a:p>
             <a:fld id="{2B607D81-953A-4D93-A4F0-2A6110829A04}" type="slidenum">
               <a:rPr lang="en-US" smtClean="0"/>
+              <a:pPr/>
               <a:t>‹#›</a:t>
             </a:fld>
             <a:endParaRPr lang="en-US"/>
@@ -1815,7 +1829,7 @@
     </p:spTree>
     <p:extLst>
       <p:ext uri="{BB962C8B-B14F-4D97-AF65-F5344CB8AC3E}">
-        <p14:creationId xmlns:p14="http://schemas.microsoft.com/office/powerpoint/2010/main" val="1933474041"/>
+        <p14:creationId xmlns:p14="http://schemas.microsoft.com/office/powerpoint/2010/main" xmlns="" val="1933474041"/>
       </p:ext>
     </p:extLst>
   </p:cSld>
@@ -1882,7 +1896,8 @@
           <a:p>
             <a:fld id="{1498522A-3E9C-4D7B-8BEF-3864CDDC6B3A}" type="datetimeFigureOut">
               <a:rPr lang="en-US" smtClean="0"/>
-              <a:t>3/8/2013</a:t>
+              <a:pPr/>
+              <a:t>5/29/2013</a:t>
             </a:fld>
             <a:endParaRPr lang="en-US"/>
           </a:p>
@@ -1924,6 +1939,7 @@
           <a:p>
             <a:fld id="{2B607D81-953A-4D93-A4F0-2A6110829A04}" type="slidenum">
               <a:rPr lang="en-US" smtClean="0"/>
+              <a:pPr/>
               <a:t>‹#›</a:t>
             </a:fld>
             <a:endParaRPr lang="en-US"/>
@@ -1933,7 +1949,7 @@
     </p:spTree>
     <p:extLst>
       <p:ext uri="{BB962C8B-B14F-4D97-AF65-F5344CB8AC3E}">
-        <p14:creationId xmlns:p14="http://schemas.microsoft.com/office/powerpoint/2010/main" val="2427315396"/>
+        <p14:creationId xmlns:p14="http://schemas.microsoft.com/office/powerpoint/2010/main" xmlns="" val="2427315396"/>
       </p:ext>
     </p:extLst>
   </p:cSld>
@@ -1977,7 +1993,8 @@
           <a:p>
             <a:fld id="{1498522A-3E9C-4D7B-8BEF-3864CDDC6B3A}" type="datetimeFigureOut">
               <a:rPr lang="en-US" smtClean="0"/>
-              <a:t>3/8/2013</a:t>
+              <a:pPr/>
+              <a:t>5/29/2013</a:t>
             </a:fld>
             <a:endParaRPr lang="en-US"/>
           </a:p>
@@ -2019,6 +2036,7 @@
           <a:p>
             <a:fld id="{2B607D81-953A-4D93-A4F0-2A6110829A04}" type="slidenum">
               <a:rPr lang="en-US" smtClean="0"/>
+              <a:pPr/>
               <a:t>‹#›</a:t>
             </a:fld>
             <a:endParaRPr lang="en-US"/>
@@ -2028,7 +2046,7 @@
     </p:spTree>
     <p:extLst>
       <p:ext uri="{BB962C8B-B14F-4D97-AF65-F5344CB8AC3E}">
-        <p14:creationId xmlns:p14="http://schemas.microsoft.com/office/powerpoint/2010/main" val="3675854736"/>
+        <p14:creationId xmlns:p14="http://schemas.microsoft.com/office/powerpoint/2010/main" xmlns="" val="3675854736"/>
       </p:ext>
     </p:extLst>
   </p:cSld>
@@ -2254,7 +2272,8 @@
           <a:p>
             <a:fld id="{1498522A-3E9C-4D7B-8BEF-3864CDDC6B3A}" type="datetimeFigureOut">
               <a:rPr lang="en-US" smtClean="0"/>
-              <a:t>3/8/2013</a:t>
+              <a:pPr/>
+              <a:t>5/29/2013</a:t>
             </a:fld>
             <a:endParaRPr lang="en-US"/>
           </a:p>
@@ -2296,6 +2315,7 @@
           <a:p>
             <a:fld id="{2B607D81-953A-4D93-A4F0-2A6110829A04}" type="slidenum">
               <a:rPr lang="en-US" smtClean="0"/>
+              <a:pPr/>
               <a:t>‹#›</a:t>
             </a:fld>
             <a:endParaRPr lang="en-US"/>
@@ -2305,7 +2325,7 @@
     </p:spTree>
     <p:extLst>
       <p:ext uri="{BB962C8B-B14F-4D97-AF65-F5344CB8AC3E}">
-        <p14:creationId xmlns:p14="http://schemas.microsoft.com/office/powerpoint/2010/main" val="3667872298"/>
+        <p14:creationId xmlns:p14="http://schemas.microsoft.com/office/powerpoint/2010/main" xmlns="" val="3667872298"/>
       </p:ext>
     </p:extLst>
   </p:cSld>
@@ -2507,7 +2527,8 @@
           <a:p>
             <a:fld id="{1498522A-3E9C-4D7B-8BEF-3864CDDC6B3A}" type="datetimeFigureOut">
               <a:rPr lang="en-US" smtClean="0"/>
-              <a:t>3/8/2013</a:t>
+              <a:pPr/>
+              <a:t>5/29/2013</a:t>
             </a:fld>
             <a:endParaRPr lang="en-US"/>
           </a:p>
@@ -2549,6 +2570,7 @@
           <a:p>
             <a:fld id="{2B607D81-953A-4D93-A4F0-2A6110829A04}" type="slidenum">
               <a:rPr lang="en-US" smtClean="0"/>
+              <a:pPr/>
               <a:t>‹#›</a:t>
             </a:fld>
             <a:endParaRPr lang="en-US"/>
@@ -2558,7 +2580,7 @@
     </p:spTree>
     <p:extLst>
       <p:ext uri="{BB962C8B-B14F-4D97-AF65-F5344CB8AC3E}">
-        <p14:creationId xmlns:p14="http://schemas.microsoft.com/office/powerpoint/2010/main" val="1095395756"/>
+        <p14:creationId xmlns:p14="http://schemas.microsoft.com/office/powerpoint/2010/main" xmlns="" val="1095395756"/>
       </p:ext>
     </p:extLst>
   </p:cSld>
@@ -2720,7 +2742,8 @@
           <a:p>
             <a:fld id="{1498522A-3E9C-4D7B-8BEF-3864CDDC6B3A}" type="datetimeFigureOut">
               <a:rPr lang="en-US" smtClean="0"/>
-              <a:t>3/8/2013</a:t>
+              <a:pPr/>
+              <a:t>5/29/2013</a:t>
             </a:fld>
             <a:endParaRPr lang="en-US"/>
           </a:p>
@@ -2798,6 +2821,7 @@
           <a:p>
             <a:fld id="{2B607D81-953A-4D93-A4F0-2A6110829A04}" type="slidenum">
               <a:rPr lang="en-US" smtClean="0"/>
+              <a:pPr/>
               <a:t>‹#›</a:t>
             </a:fld>
             <a:endParaRPr lang="en-US"/>
@@ -2807,7 +2831,7 @@
     </p:spTree>
     <p:extLst>
       <p:ext uri="{BB962C8B-B14F-4D97-AF65-F5344CB8AC3E}">
-        <p14:creationId xmlns:p14="http://schemas.microsoft.com/office/powerpoint/2010/main" val="3576874967"/>
+        <p14:creationId xmlns:p14="http://schemas.microsoft.com/office/powerpoint/2010/main" xmlns="" val="3576874967"/>
       </p:ext>
     </p:extLst>
   </p:cSld>
@@ -3316,9 +3340,9 @@
           <p:nvPr/>
         </p:nvCxnSpPr>
         <p:spPr>
-          <a:xfrm>
-            <a:off x="2209800" y="1219200"/>
-            <a:ext cx="0" cy="3924300"/>
+          <a:xfrm rot="5400000">
+            <a:off x="-304800" y="3733800"/>
+            <a:ext cx="5029200" cy="1588"/>
           </a:xfrm>
           <a:prstGeom prst="line">
             <a:avLst/>
@@ -3480,10 +3504,89 @@
           </a:fontRef>
         </p:style>
       </p:cxnSp>
+      <p:sp>
+        <p:nvSpPr>
+          <p:cNvPr id="13" name="Rectangle 12"/>
+          <p:cNvSpPr/>
+          <p:nvPr/>
+        </p:nvSpPr>
+        <p:spPr>
+          <a:xfrm>
+            <a:off x="2971800" y="5867400"/>
+            <a:ext cx="3733800" cy="685800"/>
+          </a:xfrm>
+          <a:prstGeom prst="rect">
+            <a:avLst/>
+          </a:prstGeom>
+        </p:spPr>
+        <p:style>
+          <a:lnRef idx="1">
+            <a:schemeClr val="accent1"/>
+          </a:lnRef>
+          <a:fillRef idx="2">
+            <a:schemeClr val="accent1"/>
+          </a:fillRef>
+          <a:effectRef idx="1">
+            <a:schemeClr val="accent1"/>
+          </a:effectRef>
+          <a:fontRef idx="minor">
+            <a:schemeClr val="dk1"/>
+          </a:fontRef>
+        </p:style>
+        <p:txBody>
+          <a:bodyPr rtlCol="0" anchor="ctr"/>
+          <a:lstStyle/>
+          <a:p>
+            <a:pPr algn="ctr"/>
+            <a:r>
+              <a:rPr lang="en-US" dirty="0" smtClean="0"/>
+              <a:t>Hybrid </a:t>
+            </a:r>
+            <a:r>
+              <a:rPr lang="en-US" dirty="0" smtClean="0"/>
+              <a:t>Descriptor</a:t>
+            </a:r>
+            <a:endParaRPr lang="en-US" dirty="0"/>
+          </a:p>
+        </p:txBody>
+      </p:sp>
+      <p:cxnSp>
+        <p:nvCxnSpPr>
+          <p:cNvPr id="15" name="Straight Arrow Connector 14"/>
+          <p:cNvCxnSpPr/>
+          <p:nvPr/>
+        </p:nvCxnSpPr>
+        <p:spPr>
+          <a:xfrm>
+            <a:off x="2209800" y="6248400"/>
+            <a:ext cx="762000" cy="0"/>
+          </a:xfrm>
+          <a:prstGeom prst="straightConnector1">
+            <a:avLst/>
+          </a:prstGeom>
+          <a:ln w="25400">
+            <a:tailEnd type="arrow"/>
+          </a:ln>
+        </p:spPr>
+        <p:style>
+          <a:lnRef idx="1">
+            <a:schemeClr val="accent1"/>
+          </a:lnRef>
+          <a:fillRef idx="0">
+            <a:schemeClr val="accent1"/>
+          </a:fillRef>
+          <a:effectRef idx="0">
+            <a:schemeClr val="accent1"/>
+          </a:effectRef>
+          <a:fontRef idx="minor">
+            <a:schemeClr val="tx1"/>
+          </a:fontRef>
+        </p:style>
+      </p:cxnSp>
     </p:spTree>
     <p:extLst>
       <p:ext uri="{BB962C8B-B14F-4D97-AF65-F5344CB8AC3E}">
-        <p14:creationId xmlns:p14="http://schemas.microsoft.com/office/powerpoint/2010/main" val="2609369911"/>
+        <p14:creationId xmlns:p14="http://schemas.microsoft.com/office/powerpoint/2010/main" xmlns="" val="2609369911"/>
       </p:ext>
     </p:extLst>
   </p:cSld>
